--- a/docs/presentation/Void Eye Games.pptx
+++ b/docs/presentation/Void Eye Games.pptx
@@ -799,7 +799,7 @@
   <p:cSld>
     <p:spTree>
       <p:nvGrpSpPr>
-        <p:cNvPr id="116" name="Shape 116"/>
+        <p:cNvPr id="117" name="Shape 117"/>
         <p:cNvGrpSpPr/>
         <p:nvPr/>
       </p:nvGrpSpPr>
@@ -813,7 +813,7 @@
       </p:grpSpPr>
       <p:sp>
         <p:nvSpPr>
-          <p:cNvPr id="117" name="Google Shape;117;g133ff5360f1_0_106:notes"/>
+          <p:cNvPr id="118" name="Google Shape;118;g133ff5360f1_0_106:notes"/>
           <p:cNvSpPr/>
           <p:nvPr>
             <p:ph idx="2" type="sldImg"/>
@@ -848,7 +848,7 @@
       </p:sp>
       <p:sp>
         <p:nvSpPr>
-          <p:cNvPr id="118" name="Google Shape;118;g133ff5360f1_0_106:notes"/>
+          <p:cNvPr id="119" name="Google Shape;119;g133ff5360f1_0_106:notes"/>
           <p:cNvSpPr txBox="1"/>
           <p:nvPr>
             <p:ph idx="1" type="body"/>
@@ -1096,7 +1096,7 @@
   <p:cSld>
     <p:spTree>
       <p:nvGrpSpPr>
-        <p:cNvPr id="72" name="Shape 72"/>
+        <p:cNvPr id="73" name="Shape 73"/>
         <p:cNvGrpSpPr/>
         <p:nvPr/>
       </p:nvGrpSpPr>
@@ -1110,7 +1110,7 @@
       </p:grpSpPr>
       <p:sp>
         <p:nvSpPr>
-          <p:cNvPr id="73" name="Google Shape;73;g133ff5360f1_0_68:notes"/>
+          <p:cNvPr id="74" name="Google Shape;74;g133ff5360f1_0_68:notes"/>
           <p:cNvSpPr/>
           <p:nvPr>
             <p:ph idx="2" type="sldImg"/>
@@ -1145,7 +1145,7 @@
       </p:sp>
       <p:sp>
         <p:nvSpPr>
-          <p:cNvPr id="74" name="Google Shape;74;g133ff5360f1_0_68:notes"/>
+          <p:cNvPr id="75" name="Google Shape;75;g133ff5360f1_0_68:notes"/>
           <p:cNvSpPr txBox="1"/>
           <p:nvPr>
             <p:ph idx="1" type="body"/>
@@ -1195,7 +1195,7 @@
   <p:cSld>
     <p:spTree>
       <p:nvGrpSpPr>
-        <p:cNvPr id="79" name="Shape 79"/>
+        <p:cNvPr id="80" name="Shape 80"/>
         <p:cNvGrpSpPr/>
         <p:nvPr/>
       </p:nvGrpSpPr>
@@ -1209,7 +1209,7 @@
       </p:grpSpPr>
       <p:sp>
         <p:nvSpPr>
-          <p:cNvPr id="80" name="Google Shape;80;g133ff5360f1_0_74:notes"/>
+          <p:cNvPr id="81" name="Google Shape;81;g133ff5360f1_0_74:notes"/>
           <p:cNvSpPr/>
           <p:nvPr>
             <p:ph idx="2" type="sldImg"/>
@@ -1244,7 +1244,7 @@
       </p:sp>
       <p:sp>
         <p:nvSpPr>
-          <p:cNvPr id="81" name="Google Shape;81;g133ff5360f1_0_74:notes"/>
+          <p:cNvPr id="82" name="Google Shape;82;g133ff5360f1_0_74:notes"/>
           <p:cNvSpPr txBox="1"/>
           <p:nvPr>
             <p:ph idx="1" type="body"/>
@@ -1294,7 +1294,7 @@
   <p:cSld>
     <p:spTree>
       <p:nvGrpSpPr>
-        <p:cNvPr id="88" name="Shape 88"/>
+        <p:cNvPr id="89" name="Shape 89"/>
         <p:cNvGrpSpPr/>
         <p:nvPr/>
       </p:nvGrpSpPr>
@@ -1308,7 +1308,7 @@
       </p:grpSpPr>
       <p:sp>
         <p:nvSpPr>
-          <p:cNvPr id="89" name="Google Shape;89;g133ff5360f1_0_80:notes"/>
+          <p:cNvPr id="90" name="Google Shape;90;g133ff5360f1_0_80:notes"/>
           <p:cNvSpPr/>
           <p:nvPr>
             <p:ph idx="2" type="sldImg"/>
@@ -1343,7 +1343,7 @@
       </p:sp>
       <p:sp>
         <p:nvSpPr>
-          <p:cNvPr id="90" name="Google Shape;90;g133ff5360f1_0_80:notes"/>
+          <p:cNvPr id="91" name="Google Shape;91;g133ff5360f1_0_80:notes"/>
           <p:cNvSpPr txBox="1"/>
           <p:nvPr>
             <p:ph idx="1" type="body"/>
@@ -1393,7 +1393,7 @@
   <p:cSld>
     <p:spTree>
       <p:nvGrpSpPr>
-        <p:cNvPr id="95" name="Shape 95"/>
+        <p:cNvPr id="96" name="Shape 96"/>
         <p:cNvGrpSpPr/>
         <p:nvPr/>
       </p:nvGrpSpPr>
@@ -1407,7 +1407,7 @@
       </p:grpSpPr>
       <p:sp>
         <p:nvSpPr>
-          <p:cNvPr id="96" name="Google Shape;96;g133ff5360f1_0_86:notes"/>
+          <p:cNvPr id="97" name="Google Shape;97;g133ff5360f1_0_86:notes"/>
           <p:cNvSpPr/>
           <p:nvPr>
             <p:ph idx="2" type="sldImg"/>
@@ -1442,7 +1442,7 @@
       </p:sp>
       <p:sp>
         <p:nvSpPr>
-          <p:cNvPr id="97" name="Google Shape;97;g133ff5360f1_0_86:notes"/>
+          <p:cNvPr id="98" name="Google Shape;98;g133ff5360f1_0_86:notes"/>
           <p:cNvSpPr txBox="1"/>
           <p:nvPr>
             <p:ph idx="1" type="body"/>
@@ -1492,7 +1492,7 @@
   <p:cSld>
     <p:spTree>
       <p:nvGrpSpPr>
-        <p:cNvPr id="102" name="Shape 102"/>
+        <p:cNvPr id="103" name="Shape 103"/>
         <p:cNvGrpSpPr/>
         <p:nvPr/>
       </p:nvGrpSpPr>
@@ -1506,7 +1506,7 @@
       </p:grpSpPr>
       <p:sp>
         <p:nvSpPr>
-          <p:cNvPr id="103" name="Google Shape;103;g133ff5360f1_0_92:notes"/>
+          <p:cNvPr id="104" name="Google Shape;104;g133ff5360f1_0_92:notes"/>
           <p:cNvSpPr/>
           <p:nvPr>
             <p:ph idx="2" type="sldImg"/>
@@ -1541,7 +1541,7 @@
       </p:sp>
       <p:sp>
         <p:nvSpPr>
-          <p:cNvPr id="104" name="Google Shape;104;g133ff5360f1_0_92:notes"/>
+          <p:cNvPr id="105" name="Google Shape;105;g133ff5360f1_0_92:notes"/>
           <p:cNvSpPr txBox="1"/>
           <p:nvPr>
             <p:ph idx="1" type="body"/>
@@ -1591,7 +1591,7 @@
   <p:cSld>
     <p:spTree>
       <p:nvGrpSpPr>
-        <p:cNvPr id="109" name="Shape 109"/>
+        <p:cNvPr id="110" name="Shape 110"/>
         <p:cNvGrpSpPr/>
         <p:nvPr/>
       </p:nvGrpSpPr>
@@ -1605,7 +1605,7 @@
       </p:grpSpPr>
       <p:sp>
         <p:nvSpPr>
-          <p:cNvPr id="110" name="Google Shape;110;g133ff5360f1_0_117:notes"/>
+          <p:cNvPr id="111" name="Google Shape;111;g133ff5360f1_0_117:notes"/>
           <p:cNvSpPr/>
           <p:nvPr>
             <p:ph idx="2" type="sldImg"/>
@@ -1640,7 +1640,7 @@
       </p:sp>
       <p:sp>
         <p:nvSpPr>
-          <p:cNvPr id="111" name="Google Shape;111;g133ff5360f1_0_117:notes"/>
+          <p:cNvPr id="112" name="Google Shape;112;g133ff5360f1_0_117:notes"/>
           <p:cNvSpPr txBox="1"/>
           <p:nvPr>
             <p:ph idx="1" type="body"/>
@@ -6660,7 +6660,7 @@
   <p:cSld>
     <p:spTree>
       <p:nvGrpSpPr>
-        <p:cNvPr id="119" name="Shape 119"/>
+        <p:cNvPr id="120" name="Shape 120"/>
         <p:cNvGrpSpPr/>
         <p:nvPr/>
       </p:nvGrpSpPr>
@@ -6674,7 +6674,7 @@
       </p:grpSpPr>
       <p:sp>
         <p:nvSpPr>
-          <p:cNvPr id="120" name="Google Shape;120;p22"/>
+          <p:cNvPr id="121" name="Google Shape;121;p22"/>
           <p:cNvSpPr/>
           <p:nvPr/>
         </p:nvSpPr>
@@ -6742,7 +6742,7 @@
       </p:sp>
       <p:pic>
         <p:nvPicPr>
-          <p:cNvPr id="121" name="Google Shape;121;p22"/>
+          <p:cNvPr id="122" name="Google Shape;122;p22"/>
           <p:cNvPicPr preferRelativeResize="0"/>
           <p:nvPr/>
         </p:nvPicPr>
@@ -6770,7 +6770,7 @@
       </p:pic>
       <p:sp>
         <p:nvSpPr>
-          <p:cNvPr id="122" name="Google Shape;122;p22"/>
+          <p:cNvPr id="123" name="Google Shape;123;p22"/>
           <p:cNvSpPr txBox="1"/>
           <p:nvPr>
             <p:ph idx="4294967295" type="ctrTitle"/>
@@ -6818,7 +6818,7 @@
       </p:sp>
       <p:sp>
         <p:nvSpPr>
-          <p:cNvPr id="123" name="Google Shape;123;p22"/>
+          <p:cNvPr id="124" name="Google Shape;124;p22"/>
           <p:cNvSpPr/>
           <p:nvPr/>
         </p:nvSpPr>
@@ -6890,7 +6890,7 @@
       </p:sp>
       <p:sp>
         <p:nvSpPr>
-          <p:cNvPr id="124" name="Google Shape;124;p22"/>
+          <p:cNvPr id="125" name="Google Shape;125;p22"/>
           <p:cNvSpPr txBox="1"/>
           <p:nvPr/>
         </p:nvSpPr>
@@ -6941,7 +6941,7 @@
       </p:sp>
       <p:sp>
         <p:nvSpPr>
-          <p:cNvPr id="125" name="Google Shape;125;p22"/>
+          <p:cNvPr id="126" name="Google Shape;126;p22"/>
           <p:cNvSpPr txBox="1"/>
           <p:nvPr/>
         </p:nvSpPr>
@@ -7344,7 +7344,7 @@
         </p:spPr>
         <p:txBody>
           <a:bodyPr anchorCtr="0" anchor="t" bIns="91425" lIns="91425" spcFirstLastPara="1" rIns="91425" wrap="square" tIns="91425">
-            <a:normAutofit/>
+            <a:normAutofit lnSpcReduction="10000"/>
           </a:bodyPr>
           <a:lstStyle/>
           <a:p>
@@ -7387,7 +7387,87 @@
                   <a:schemeClr val="dk1"/>
                 </a:solidFill>
               </a:rPr>
-              <a:t>“Es difícil encontrar una plataforma donde te vendan un juego barato, y en la que yo conozco vale mucho, así que mejor no lo compro”</a:t>
+              <a:t>“Es difícil encontrar una plataforma donde te vendan un juego barato, y en las que yo conozco, valen mucho.”</a:t>
+            </a:r>
+            <a:endParaRPr>
+              <a:solidFill>
+                <a:schemeClr val="dk1"/>
+              </a:solidFill>
+            </a:endParaRPr>
+          </a:p>
+          <a:p>
+            <a:pPr indent="0" lvl="0" marL="0" rtl="0" algn="just">
+              <a:spcBef>
+                <a:spcPts val="1200"/>
+              </a:spcBef>
+              <a:spcAft>
+                <a:spcPts val="0"/>
+              </a:spcAft>
+              <a:buNone/>
+            </a:pPr>
+            <a:r>
+              <a:rPr lang="es">
+                <a:solidFill>
+                  <a:schemeClr val="dk1"/>
+                </a:solidFill>
+              </a:rPr>
+              <a:t>Propósito</a:t>
+            </a:r>
+            <a:r>
+              <a:rPr lang="es">
+                <a:solidFill>
+                  <a:schemeClr val="dk1"/>
+                </a:solidFill>
+              </a:rPr>
+              <a:t> final de la </a:t>
+            </a:r>
+            <a:r>
+              <a:rPr lang="es">
+                <a:solidFill>
+                  <a:schemeClr val="dk1"/>
+                </a:solidFill>
+              </a:rPr>
+              <a:t>página</a:t>
+            </a:r>
+            <a:r>
+              <a:rPr lang="es">
+                <a:solidFill>
+                  <a:schemeClr val="dk1"/>
+                </a:solidFill>
+              </a:rPr>
+              <a:t> web:</a:t>
+            </a:r>
+            <a:endParaRPr b="1">
+              <a:solidFill>
+                <a:schemeClr val="dk1"/>
+              </a:solidFill>
+            </a:endParaRPr>
+          </a:p>
+          <a:p>
+            <a:pPr indent="0" lvl="0" marL="0" rtl="0" algn="just">
+              <a:spcBef>
+                <a:spcPts val="1200"/>
+              </a:spcBef>
+              <a:spcAft>
+                <a:spcPts val="0"/>
+              </a:spcAft>
+              <a:buNone/>
+            </a:pPr>
+            <a:r>
+              <a:rPr b="1" i="1" lang="es">
+                <a:solidFill>
+                  <a:schemeClr val="dk1"/>
+                </a:solidFill>
+              </a:rPr>
+              <a:t>“Una p</a:t>
+            </a:r>
+            <a:r>
+              <a:rPr b="1" i="1" lang="es">
+                <a:solidFill>
+                  <a:schemeClr val="dk1"/>
+                </a:solidFill>
+              </a:rPr>
+              <a:t>ágina que ayude a los clientes a comparar precios sobre un juego en diferentes plataformas.”</a:t>
             </a:r>
             <a:endParaRPr b="1" i="1">
               <a:solidFill>
@@ -7408,7 +7488,7 @@
             <a:r>
               <a:t/>
             </a:r>
-            <a:endParaRPr>
+            <a:endParaRPr b="1" i="1">
               <a:solidFill>
                 <a:schemeClr val="dk1"/>
               </a:solidFill>
@@ -7420,28 +7500,20 @@
                 <a:spcPts val="1200"/>
               </a:spcBef>
               <a:spcAft>
-                <a:spcPts val="0"/>
+                <a:spcPts val="1200"/>
               </a:spcAft>
               <a:buNone/>
             </a:pPr>
             <a:r>
-              <a:rPr lang="es">
-                <a:solidFill>
-                  <a:schemeClr val="dk1"/>
-                </a:solidFill>
-              </a:rPr>
-              <a:t>Propósito</a:t>
-            </a:r>
-            <a:r>
-              <a:rPr lang="es">
-                <a:solidFill>
-                  <a:schemeClr val="dk1"/>
-                </a:solidFill>
-              </a:rPr>
-              <a:t> final de la </a:t>
-            </a:r>
-            <a:r>
-              <a:rPr lang="es">
+              <a:rPr i="1" lang="es">
+                <a:solidFill>
+                  <a:schemeClr val="dk1"/>
+                </a:solidFill>
+              </a:rPr>
+              <a:t>Una plataforma es una </a:t>
+            </a:r>
+            <a:r>
+              <a:rPr i="1" lang="es">
                 <a:solidFill>
                   <a:schemeClr val="dk1"/>
                 </a:solidFill>
@@ -7449,46 +7521,14 @@
               <a:t>página</a:t>
             </a:r>
             <a:r>
-              <a:rPr lang="es">
-                <a:solidFill>
-                  <a:schemeClr val="dk1"/>
-                </a:solidFill>
-              </a:rPr>
-              <a:t> web:</a:t>
-            </a:r>
-            <a:endParaRPr b="1">
-              <a:solidFill>
-                <a:schemeClr val="dk1"/>
-              </a:solidFill>
-            </a:endParaRPr>
-          </a:p>
-          <a:p>
-            <a:pPr indent="0" lvl="0" marL="0" rtl="0" algn="just">
-              <a:spcBef>
-                <a:spcPts val="1200"/>
-              </a:spcBef>
-              <a:spcAft>
-                <a:spcPts val="1200"/>
-              </a:spcAft>
-              <a:buNone/>
-            </a:pPr>
-            <a:r>
-              <a:rPr b="1" i="1" lang="es">
-                <a:solidFill>
-                  <a:schemeClr val="dk1"/>
-                </a:solidFill>
-              </a:rPr>
-              <a:t>“Una p</a:t>
-            </a:r>
-            <a:r>
-              <a:rPr b="1" i="1" lang="es">
-                <a:solidFill>
-                  <a:schemeClr val="dk1"/>
-                </a:solidFill>
-              </a:rPr>
-              <a:t>ágina que ayude a los clientes a ver qué plataforma vende a mejor precio, y los diferentes precios disponibles para estos.”</a:t>
-            </a:r>
-            <a:endParaRPr b="1" i="1">
+              <a:rPr i="1" lang="es">
+                <a:solidFill>
+                  <a:schemeClr val="dk1"/>
+                </a:solidFill>
+              </a:rPr>
+              <a:t> donde se compran juegos.</a:t>
+            </a:r>
+            <a:endParaRPr i="1">
               <a:solidFill>
                 <a:schemeClr val="dk1"/>
               </a:solidFill>
@@ -7590,6 +7630,52 @@
           </a:ln>
         </p:spPr>
       </p:pic>
+      <p:sp>
+        <p:nvSpPr>
+          <p:cNvPr id="72" name="Google Shape;72;p15"/>
+          <p:cNvSpPr txBox="1"/>
+          <p:nvPr/>
+        </p:nvSpPr>
+        <p:spPr>
+          <a:xfrm>
+            <a:off x="164750" y="3928225"/>
+            <a:ext cx="367500" cy="338700"/>
+          </a:xfrm>
+          <a:prstGeom prst="rect">
+            <a:avLst/>
+          </a:prstGeom>
+          <a:noFill/>
+          <a:ln>
+            <a:noFill/>
+          </a:ln>
+        </p:spPr>
+        <p:txBody>
+          <a:bodyPr anchorCtr="0" anchor="t" bIns="91425" lIns="91425" spcFirstLastPara="1" rIns="91425" wrap="square" tIns="91425">
+            <a:spAutoFit/>
+          </a:bodyPr>
+          <a:lstStyle/>
+          <a:p>
+            <a:pPr indent="0" lvl="0" marL="0" rtl="0" algn="l">
+              <a:spcBef>
+                <a:spcPts val="0"/>
+              </a:spcBef>
+              <a:spcAft>
+                <a:spcPts val="0"/>
+              </a:spcAft>
+              <a:buNone/>
+            </a:pPr>
+            <a:r>
+              <a:rPr lang="es" sz="1000"/>
+              <a:t>[</a:t>
+            </a:r>
+            <a:r>
+              <a:rPr lang="es" sz="1000"/>
+              <a:t>1]</a:t>
+            </a:r>
+            <a:endParaRPr sz="1000"/>
+          </a:p>
+        </p:txBody>
+      </p:sp>
     </p:spTree>
   </p:cSld>
   <p:clrMapOvr>
@@ -7603,7 +7689,7 @@
   <p:cSld>
     <p:spTree>
       <p:nvGrpSpPr>
-        <p:cNvPr id="75" name="Shape 75"/>
+        <p:cNvPr id="76" name="Shape 76"/>
         <p:cNvGrpSpPr/>
         <p:nvPr/>
       </p:nvGrpSpPr>
@@ -7617,7 +7703,7 @@
       </p:grpSpPr>
       <p:sp>
         <p:nvSpPr>
-          <p:cNvPr id="76" name="Google Shape;76;p16"/>
+          <p:cNvPr id="77" name="Google Shape;77;p16"/>
           <p:cNvSpPr txBox="1"/>
           <p:nvPr>
             <p:ph idx="1" type="body"/>
@@ -7705,7 +7791,7 @@
                   <a:schemeClr val="dk1"/>
                 </a:solidFill>
               </a:rPr>
-              <a:t>Apache </a:t>
+              <a:t>Apache v2.4.51 </a:t>
             </a:r>
             <a:r>
               <a:rPr lang="es" sz="1700">
@@ -7781,7 +7867,7 @@
                   <a:schemeClr val="dk1"/>
                 </a:solidFill>
               </a:rPr>
-              <a:t>MySQL Community Server v8.0.22.</a:t>
+              <a:t>MySQL v8.0.22.</a:t>
             </a:r>
             <a:endParaRPr b="1" sz="1700">
               <a:solidFill>
@@ -7834,9 +7920,37 @@
             </a:endParaRPr>
           </a:p>
           <a:p>
+            <a:pPr indent="-336550" lvl="0" marL="457200" rtl="0" algn="just">
+              <a:spcBef>
+                <a:spcPts val="0"/>
+              </a:spcBef>
+              <a:spcAft>
+                <a:spcPts val="0"/>
+              </a:spcAft>
+              <a:buClr>
+                <a:schemeClr val="dk1"/>
+              </a:buClr>
+              <a:buSzPts val="1700"/>
+              <a:buChar char="●"/>
+            </a:pPr>
+            <a:r>
+              <a:rPr b="1" lang="es" sz="1700">
+                <a:solidFill>
+                  <a:schemeClr val="dk1"/>
+                </a:solidFill>
+              </a:rPr>
+              <a:t>En cuanto al hardware, un servidor básico es más que suficiente.</a:t>
+            </a:r>
+            <a:endParaRPr b="1" sz="1700">
+              <a:solidFill>
+                <a:schemeClr val="dk1"/>
+              </a:solidFill>
+            </a:endParaRPr>
+          </a:p>
+          <a:p>
             <a:pPr indent="0" lvl="0" marL="0" rtl="0" algn="just">
               <a:spcBef>
-                <a:spcPts val="1200"/>
+                <a:spcPts val="0"/>
               </a:spcBef>
               <a:spcAft>
                 <a:spcPts val="1200"/>
@@ -7856,7 +7970,7 @@
       </p:sp>
       <p:sp>
         <p:nvSpPr>
-          <p:cNvPr id="77" name="Google Shape;77;p16"/>
+          <p:cNvPr id="78" name="Google Shape;78;p16"/>
           <p:cNvSpPr txBox="1"/>
           <p:nvPr>
             <p:ph type="title"/>
@@ -7922,7 +8036,7 @@
       </p:sp>
       <p:pic>
         <p:nvPicPr>
-          <p:cNvPr id="78" name="Google Shape;78;p16"/>
+          <p:cNvPr id="79" name="Google Shape;79;p16"/>
           <p:cNvPicPr preferRelativeResize="0"/>
           <p:nvPr/>
         </p:nvPicPr>
@@ -7961,7 +8075,7 @@
   <p:cSld>
     <p:spTree>
       <p:nvGrpSpPr>
-        <p:cNvPr id="82" name="Shape 82"/>
+        <p:cNvPr id="83" name="Shape 83"/>
         <p:cNvGrpSpPr/>
         <p:nvPr/>
       </p:nvGrpSpPr>
@@ -7975,7 +8089,7 @@
       </p:grpSpPr>
       <p:sp>
         <p:nvSpPr>
-          <p:cNvPr id="83" name="Google Shape;83;p17"/>
+          <p:cNvPr id="84" name="Google Shape;84;p17"/>
           <p:cNvSpPr txBox="1"/>
           <p:nvPr>
             <p:ph idx="1" type="body"/>
@@ -8178,7 +8292,7 @@
       </p:sp>
       <p:sp>
         <p:nvSpPr>
-          <p:cNvPr id="84" name="Google Shape;84;p17"/>
+          <p:cNvPr id="85" name="Google Shape;85;p17"/>
           <p:cNvSpPr txBox="1"/>
           <p:nvPr>
             <p:ph type="title"/>
@@ -8244,7 +8358,7 @@
       </p:sp>
       <p:pic>
         <p:nvPicPr>
-          <p:cNvPr id="85" name="Google Shape;85;p17"/>
+          <p:cNvPr id="86" name="Google Shape;86;p17"/>
           <p:cNvPicPr preferRelativeResize="0"/>
           <p:nvPr/>
         </p:nvPicPr>
@@ -8272,7 +8386,7 @@
       </p:pic>
       <p:pic>
         <p:nvPicPr>
-          <p:cNvPr id="86" name="Google Shape;86;p17"/>
+          <p:cNvPr id="87" name="Google Shape;87;p17"/>
           <p:cNvPicPr preferRelativeResize="0"/>
           <p:nvPr/>
         </p:nvPicPr>
@@ -8300,7 +8414,7 @@
       </p:pic>
       <p:sp>
         <p:nvSpPr>
-          <p:cNvPr id="87" name="Google Shape;87;p17"/>
+          <p:cNvPr id="88" name="Google Shape;88;p17"/>
           <p:cNvSpPr txBox="1"/>
           <p:nvPr>
             <p:ph idx="1" type="body"/>
@@ -8369,7 +8483,7 @@
   <p:cSld>
     <p:spTree>
       <p:nvGrpSpPr>
-        <p:cNvPr id="91" name="Shape 91"/>
+        <p:cNvPr id="92" name="Shape 92"/>
         <p:cNvGrpSpPr/>
         <p:nvPr/>
       </p:nvGrpSpPr>
@@ -8383,7 +8497,7 @@
       </p:grpSpPr>
       <p:sp>
         <p:nvSpPr>
-          <p:cNvPr id="92" name="Google Shape;92;p18"/>
+          <p:cNvPr id="93" name="Google Shape;93;p18"/>
           <p:cNvSpPr txBox="1"/>
           <p:nvPr>
             <p:ph idx="1" type="body"/>
@@ -8464,15 +8578,21 @@
             <a:r>
               <a:rPr lang="es" sz="1500" u="sng">
                 <a:solidFill>
-                  <a:schemeClr val="hlink"/>
-                </a:solidFill>
-                <a:hlinkClick r:id="rId3"/>
+                  <a:schemeClr val="accent1"/>
+                </a:solidFill>
+                <a:hlinkClick r:id="rId3">
+                  <a:extLst>
+                    <a:ext uri="{A12FA001-AC4F-418D-AE19-62706E023703}">
+                      <ahyp:hlinkClr val="tx"/>
+                    </a:ext>
+                  </a:extLst>
+                </a:hlinkClick>
               </a:rPr>
               <a:t>https://voideyegames.ddns.net</a:t>
             </a:r>
             <a:endParaRPr sz="1500">
               <a:solidFill>
-                <a:schemeClr val="dk1"/>
+                <a:schemeClr val="accent1"/>
               </a:solidFill>
             </a:endParaRPr>
           </a:p>
@@ -8553,15 +8673,21 @@
             <a:r>
               <a:rPr lang="es" sz="1500" u="sng">
                 <a:solidFill>
-                  <a:schemeClr val="hlink"/>
-                </a:solidFill>
-                <a:hlinkClick r:id="rId4"/>
-              </a:rPr>
-              <a:t>https://github.com/DainWs/VoidEyeGames/blob/master/docs/BatteryExamples.md</a:t>
+                  <a:schemeClr val="accent1"/>
+                </a:solidFill>
+                <a:hlinkClick r:id="rId4">
+                  <a:extLst>
+                    <a:ext uri="{A12FA001-AC4F-418D-AE19-62706E023703}">
+                      <ahyp:hlinkClr val="tx"/>
+                    </a:ext>
+                  </a:extLst>
+                </a:hlinkClick>
+              </a:rPr>
+              <a:t>https://github.com/DainWs/VoidEyeGames/blob/master/docs/Examples.md</a:t>
             </a:r>
             <a:endParaRPr sz="1500">
               <a:solidFill>
-                <a:schemeClr val="dk1"/>
+                <a:schemeClr val="accent1"/>
               </a:solidFill>
             </a:endParaRPr>
           </a:p>
@@ -8634,15 +8760,21 @@
             <a:r>
               <a:rPr lang="es" sz="1500" u="sng">
                 <a:solidFill>
-                  <a:schemeClr val="hlink"/>
-                </a:solidFill>
-                <a:hlinkClick r:id="rId5"/>
+                  <a:schemeClr val="accent1"/>
+                </a:solidFill>
+                <a:hlinkClick r:id="rId5">
+                  <a:extLst>
+                    <a:ext uri="{A12FA001-AC4F-418D-AE19-62706E023703}">
+                      <ahyp:hlinkClr val="tx"/>
+                    </a:ext>
+                  </a:extLst>
+                </a:hlinkClick>
               </a:rPr>
               <a:t>https://github.com/DainWs/VoidEyeGames/blob/master/docs/manuals/EnterpiseUserManual.md</a:t>
             </a:r>
             <a:endParaRPr sz="1500">
               <a:solidFill>
-                <a:schemeClr val="dk1"/>
+                <a:schemeClr val="accent1"/>
               </a:solidFill>
             </a:endParaRPr>
           </a:p>
@@ -8650,7 +8782,7 @@
       </p:sp>
       <p:sp>
         <p:nvSpPr>
-          <p:cNvPr id="93" name="Google Shape;93;p18"/>
+          <p:cNvPr id="94" name="Google Shape;94;p18"/>
           <p:cNvSpPr txBox="1"/>
           <p:nvPr>
             <p:ph type="title"/>
@@ -8716,7 +8848,7 @@
       </p:sp>
       <p:pic>
         <p:nvPicPr>
-          <p:cNvPr id="94" name="Google Shape;94;p18"/>
+          <p:cNvPr id="95" name="Google Shape;95;p18"/>
           <p:cNvPicPr preferRelativeResize="0"/>
           <p:nvPr/>
         </p:nvPicPr>
@@ -8755,7 +8887,7 @@
   <p:cSld>
     <p:spTree>
       <p:nvGrpSpPr>
-        <p:cNvPr id="98" name="Shape 98"/>
+        <p:cNvPr id="99" name="Shape 99"/>
         <p:cNvGrpSpPr/>
         <p:nvPr/>
       </p:nvGrpSpPr>
@@ -8769,7 +8901,7 @@
       </p:grpSpPr>
       <p:sp>
         <p:nvSpPr>
-          <p:cNvPr id="99" name="Google Shape;99;p19"/>
+          <p:cNvPr id="100" name="Google Shape;100;p19"/>
           <p:cNvSpPr txBox="1"/>
           <p:nvPr>
             <p:ph idx="1" type="body"/>
@@ -9013,7 +9145,7 @@
       </p:sp>
       <p:sp>
         <p:nvSpPr>
-          <p:cNvPr id="100" name="Google Shape;100;p19"/>
+          <p:cNvPr id="101" name="Google Shape;101;p19"/>
           <p:cNvSpPr txBox="1"/>
           <p:nvPr>
             <p:ph type="title"/>
@@ -9079,7 +9211,7 @@
       </p:sp>
       <p:pic>
         <p:nvPicPr>
-          <p:cNvPr id="101" name="Google Shape;101;p19"/>
+          <p:cNvPr id="102" name="Google Shape;102;p19"/>
           <p:cNvPicPr preferRelativeResize="0"/>
           <p:nvPr/>
         </p:nvPicPr>
@@ -9118,7 +9250,7 @@
   <p:cSld>
     <p:spTree>
       <p:nvGrpSpPr>
-        <p:cNvPr id="105" name="Shape 105"/>
+        <p:cNvPr id="106" name="Shape 106"/>
         <p:cNvGrpSpPr/>
         <p:nvPr/>
       </p:nvGrpSpPr>
@@ -9132,7 +9264,7 @@
       </p:grpSpPr>
       <p:sp>
         <p:nvSpPr>
-          <p:cNvPr id="106" name="Google Shape;106;p20"/>
+          <p:cNvPr id="107" name="Google Shape;107;p20"/>
           <p:cNvSpPr txBox="1"/>
           <p:nvPr>
             <p:ph idx="1" type="body"/>
@@ -9456,7 +9588,7 @@
       </p:sp>
       <p:sp>
         <p:nvSpPr>
-          <p:cNvPr id="107" name="Google Shape;107;p20"/>
+          <p:cNvPr id="108" name="Google Shape;108;p20"/>
           <p:cNvSpPr txBox="1"/>
           <p:nvPr>
             <p:ph type="title"/>
@@ -9522,7 +9654,7 @@
       </p:sp>
       <p:pic>
         <p:nvPicPr>
-          <p:cNvPr id="108" name="Google Shape;108;p20"/>
+          <p:cNvPr id="109" name="Google Shape;109;p20"/>
           <p:cNvPicPr preferRelativeResize="0"/>
           <p:nvPr/>
         </p:nvPicPr>
@@ -9561,7 +9693,7 @@
   <p:cSld>
     <p:spTree>
       <p:nvGrpSpPr>
-        <p:cNvPr id="112" name="Shape 112"/>
+        <p:cNvPr id="113" name="Shape 113"/>
         <p:cNvGrpSpPr/>
         <p:nvPr/>
       </p:nvGrpSpPr>
@@ -9575,7 +9707,7 @@
       </p:grpSpPr>
       <p:sp>
         <p:nvSpPr>
-          <p:cNvPr id="113" name="Google Shape;113;p21"/>
+          <p:cNvPr id="114" name="Google Shape;114;p21"/>
           <p:cNvSpPr txBox="1"/>
           <p:nvPr>
             <p:ph idx="1" type="body"/>
@@ -9623,7 +9755,7 @@
       </p:sp>
       <p:sp>
         <p:nvSpPr>
-          <p:cNvPr id="114" name="Google Shape;114;p21"/>
+          <p:cNvPr id="115" name="Google Shape;115;p21"/>
           <p:cNvSpPr txBox="1"/>
           <p:nvPr>
             <p:ph type="title"/>
@@ -9689,7 +9821,7 @@
       </p:sp>
       <p:pic>
         <p:nvPicPr>
-          <p:cNvPr id="115" name="Google Shape;115;p21"/>
+          <p:cNvPr id="116" name="Google Shape;116;p21"/>
           <p:cNvPicPr preferRelativeResize="0"/>
           <p:nvPr/>
         </p:nvPicPr>
@@ -9724,6 +9856,285 @@
 </file>
 
 <file path=ppt/theme/theme1.xml><?xml version="1.0" encoding="utf-8"?>
+<a:theme xmlns:a="http://schemas.openxmlformats.org/drawingml/2006/main" xmlns:r="http://schemas.openxmlformats.org/officeDocument/2006/relationships" name="Simple Light">
+  <a:themeElements>
+    <a:clrScheme name="Simple Light">
+      <a:dk1>
+        <a:srgbClr val="000000"/>
+      </a:dk1>
+      <a:lt1>
+        <a:srgbClr val="FFFFFF"/>
+      </a:lt1>
+      <a:dk2>
+        <a:srgbClr val="595959"/>
+      </a:dk2>
+      <a:lt2>
+        <a:srgbClr val="EEEEEE"/>
+      </a:lt2>
+      <a:accent1>
+        <a:srgbClr val="4285F4"/>
+      </a:accent1>
+      <a:accent2>
+        <a:srgbClr val="212121"/>
+      </a:accent2>
+      <a:accent3>
+        <a:srgbClr val="78909C"/>
+      </a:accent3>
+      <a:accent4>
+        <a:srgbClr val="FFAB40"/>
+      </a:accent4>
+      <a:accent5>
+        <a:srgbClr val="0097A7"/>
+      </a:accent5>
+      <a:accent6>
+        <a:srgbClr val="EEFF41"/>
+      </a:accent6>
+      <a:hlink>
+        <a:srgbClr val="0097A7"/>
+      </a:hlink>
+      <a:folHlink>
+        <a:srgbClr val="0097A7"/>
+      </a:folHlink>
+    </a:clrScheme>
+    <a:fontScheme name="Office">
+      <a:majorFont>
+        <a:latin typeface="Arial"/>
+        <a:ea typeface=""/>
+        <a:cs typeface=""/>
+        <a:font script="Jpan" typeface="ＭＳ Ｐゴシック"/>
+        <a:font script="Hang" typeface="맑은 고딕"/>
+        <a:font script="Hans" typeface="宋体"/>
+        <a:font script="Hant" typeface="新細明體"/>
+        <a:font script="Arab" typeface="Times New Roman"/>
+        <a:font script="Hebr" typeface="Times New Roman"/>
+        <a:font script="Thai" typeface="Angsana New"/>
+        <a:font script="Ethi" typeface="Nyala"/>
+        <a:font script="Beng" typeface="Vrinda"/>
+        <a:font script="Gujr" typeface="Shruti"/>
+        <a:font script="Khmr" typeface="MoolBoran"/>
+        <a:font script="Knda" typeface="Tunga"/>
+        <a:font script="Guru" typeface="Raavi"/>
+        <a:font script="Cans" typeface="Euphemia"/>
+        <a:font script="Cher" typeface="Plantagenet Cherokee"/>
+        <a:font script="Yiii" typeface="Microsoft Yi Baiti"/>
+        <a:font script="Tibt" typeface="Microsoft Himalaya"/>
+        <a:font script="Thaa" typeface="MV Boli"/>
+        <a:font script="Deva" typeface="Mangal"/>
+        <a:font script="Telu" typeface="Gautami"/>
+        <a:font script="Taml" typeface="Latha"/>
+        <a:font script="Syrc" typeface="Estrangelo Edessa"/>
+        <a:font script="Orya" typeface="Kalinga"/>
+        <a:font script="Mlym" typeface="Kartika"/>
+        <a:font script="Laoo" typeface="DokChampa"/>
+        <a:font script="Sinh" typeface="Iskoola Pota"/>
+        <a:font script="Mong" typeface="Mongolian Baiti"/>
+        <a:font script="Viet" typeface="Times New Roman"/>
+        <a:font script="Uigh" typeface="Microsoft Uighur"/>
+        <a:font script="Geor" typeface="Sylfaen"/>
+      </a:majorFont>
+      <a:minorFont>
+        <a:latin typeface="Arial"/>
+        <a:ea typeface=""/>
+        <a:cs typeface=""/>
+        <a:font script="Jpan" typeface="ＭＳ Ｐゴシック"/>
+        <a:font script="Hang" typeface="맑은 고딕"/>
+        <a:font script="Hans" typeface="宋体"/>
+        <a:font script="Hant" typeface="新細明體"/>
+        <a:font script="Arab" typeface="Arial"/>
+        <a:font script="Hebr" typeface="Arial"/>
+        <a:font script="Thai" typeface="Cordia New"/>
+        <a:font script="Ethi" typeface="Nyala"/>
+        <a:font script="Beng" typeface="Vrinda"/>
+        <a:font script="Gujr" typeface="Shruti"/>
+        <a:font script="Khmr" typeface="DaunPenh"/>
+        <a:font script="Knda" typeface="Tunga"/>
+        <a:font script="Guru" typeface="Raavi"/>
+        <a:font script="Cans" typeface="Euphemia"/>
+        <a:font script="Cher" typeface="Plantagenet Cherokee"/>
+        <a:font script="Yiii" typeface="Microsoft Yi Baiti"/>
+        <a:font script="Tibt" typeface="Microsoft Himalaya"/>
+        <a:font script="Thaa" typeface="MV Boli"/>
+        <a:font script="Deva" typeface="Mangal"/>
+        <a:font script="Telu" typeface="Gautami"/>
+        <a:font script="Taml" typeface="Latha"/>
+        <a:font script="Syrc" typeface="Estrangelo Edessa"/>
+        <a:font script="Orya" typeface="Kalinga"/>
+        <a:font script="Mlym" typeface="Kartika"/>
+        <a:font script="Laoo" typeface="DokChampa"/>
+        <a:font script="Sinh" typeface="Iskoola Pota"/>
+        <a:font script="Mong" typeface="Mongolian Baiti"/>
+        <a:font script="Viet" typeface="Arial"/>
+        <a:font script="Uigh" typeface="Microsoft Uighur"/>
+        <a:font script="Geor" typeface="Sylfaen"/>
+      </a:minorFont>
+    </a:fontScheme>
+    <a:fmtScheme name="Office">
+      <a:fillStyleLst>
+        <a:solidFill>
+          <a:schemeClr val="phClr"/>
+        </a:solidFill>
+        <a:gradFill rotWithShape="1">
+          <a:gsLst>
+            <a:gs pos="0">
+              <a:schemeClr val="phClr">
+                <a:tint val="50000"/>
+                <a:satMod val="300000"/>
+              </a:schemeClr>
+            </a:gs>
+            <a:gs pos="35000">
+              <a:schemeClr val="phClr">
+                <a:tint val="37000"/>
+                <a:satMod val="300000"/>
+              </a:schemeClr>
+            </a:gs>
+            <a:gs pos="100000">
+              <a:schemeClr val="phClr">
+                <a:tint val="15000"/>
+                <a:satMod val="350000"/>
+              </a:schemeClr>
+            </a:gs>
+          </a:gsLst>
+          <a:lin ang="16200000" scaled="1"/>
+        </a:gradFill>
+        <a:gradFill rotWithShape="1">
+          <a:gsLst>
+            <a:gs pos="0">
+              <a:schemeClr val="phClr">
+                <a:tint val="100000"/>
+                <a:shade val="100000"/>
+                <a:satMod val="130000"/>
+              </a:schemeClr>
+            </a:gs>
+            <a:gs pos="100000">
+              <a:schemeClr val="phClr">
+                <a:tint val="50000"/>
+                <a:shade val="100000"/>
+                <a:satMod val="350000"/>
+              </a:schemeClr>
+            </a:gs>
+          </a:gsLst>
+          <a:lin ang="16200000" scaled="0"/>
+        </a:gradFill>
+      </a:fillStyleLst>
+      <a:lnStyleLst>
+        <a:ln w="9525" cap="flat" cmpd="sng" algn="ctr">
+          <a:solidFill>
+            <a:schemeClr val="phClr">
+              <a:shade val="95000"/>
+              <a:satMod val="105000"/>
+            </a:schemeClr>
+          </a:solidFill>
+          <a:prstDash val="solid"/>
+        </a:ln>
+        <a:ln w="25400" cap="flat" cmpd="sng" algn="ctr">
+          <a:solidFill>
+            <a:schemeClr val="phClr"/>
+          </a:solidFill>
+          <a:prstDash val="solid"/>
+        </a:ln>
+        <a:ln w="38100" cap="flat" cmpd="sng" algn="ctr">
+          <a:solidFill>
+            <a:schemeClr val="phClr"/>
+          </a:solidFill>
+          <a:prstDash val="solid"/>
+        </a:ln>
+      </a:lnStyleLst>
+      <a:effectStyleLst>
+        <a:effectStyle>
+          <a:effectLst>
+            <a:outerShdw blurRad="40000" dist="20000" dir="5400000" rotWithShape="0">
+              <a:srgbClr val="000000">
+                <a:alpha val="38000"/>
+              </a:srgbClr>
+            </a:outerShdw>
+          </a:effectLst>
+        </a:effectStyle>
+        <a:effectStyle>
+          <a:effectLst>
+            <a:outerShdw blurRad="40000" dist="23000" dir="5400000" rotWithShape="0">
+              <a:srgbClr val="000000">
+                <a:alpha val="35000"/>
+              </a:srgbClr>
+            </a:outerShdw>
+          </a:effectLst>
+        </a:effectStyle>
+        <a:effectStyle>
+          <a:effectLst>
+            <a:outerShdw blurRad="40000" dist="23000" dir="5400000" rotWithShape="0">
+              <a:srgbClr val="000000">
+                <a:alpha val="35000"/>
+              </a:srgbClr>
+            </a:outerShdw>
+          </a:effectLst>
+          <a:scene3d>
+            <a:camera prst="orthographicFront">
+              <a:rot lat="0" lon="0" rev="0"/>
+            </a:camera>
+            <a:lightRig rig="threePt" dir="t">
+              <a:rot lat="0" lon="0" rev="1200000"/>
+            </a:lightRig>
+          </a:scene3d>
+          <a:sp3d>
+            <a:bevelT w="63500" h="25400"/>
+          </a:sp3d>
+        </a:effectStyle>
+      </a:effectStyleLst>
+      <a:bgFillStyleLst>
+        <a:solidFill>
+          <a:schemeClr val="phClr"/>
+        </a:solidFill>
+        <a:gradFill rotWithShape="1">
+          <a:gsLst>
+            <a:gs pos="0">
+              <a:schemeClr val="phClr">
+                <a:tint val="40000"/>
+                <a:satMod val="350000"/>
+              </a:schemeClr>
+            </a:gs>
+            <a:gs pos="40000">
+              <a:schemeClr val="phClr">
+                <a:tint val="45000"/>
+                <a:shade val="99000"/>
+                <a:satMod val="350000"/>
+              </a:schemeClr>
+            </a:gs>
+            <a:gs pos="100000">
+              <a:schemeClr val="phClr">
+                <a:shade val="20000"/>
+                <a:satMod val="255000"/>
+              </a:schemeClr>
+            </a:gs>
+          </a:gsLst>
+          <a:path path="circle">
+            <a:fillToRect l="50000" t="-80000" r="50000" b="180000"/>
+          </a:path>
+        </a:gradFill>
+        <a:gradFill rotWithShape="1">
+          <a:gsLst>
+            <a:gs pos="0">
+              <a:schemeClr val="phClr">
+                <a:tint val="80000"/>
+                <a:satMod val="300000"/>
+              </a:schemeClr>
+            </a:gs>
+            <a:gs pos="100000">
+              <a:schemeClr val="phClr">
+                <a:shade val="30000"/>
+                <a:satMod val="200000"/>
+              </a:schemeClr>
+            </a:gs>
+          </a:gsLst>
+          <a:path path="circle">
+            <a:fillToRect l="50000" t="50000" r="50000" b="50000"/>
+          </a:path>
+        </a:gradFill>
+      </a:bgFillStyleLst>
+    </a:fmtScheme>
+  </a:themeElements>
+</a:theme>
+</file>
+
+<file path=ppt/theme/theme2.xml><?xml version="1.0" encoding="utf-8"?>
 <a:theme xmlns:a="http://schemas.openxmlformats.org/drawingml/2006/main" xmlns:r="http://schemas.openxmlformats.org/officeDocument/2006/relationships">
   <a:themeElements>
     <a:clrScheme name="Default">
@@ -10000,283 +10411,4 @@
     </a:fmtScheme>
   </a:themeElements>
 </a:theme>
-</file>
-
-<file path=ppt/theme/theme2.xml><?xml version="1.0" encoding="utf-8"?>
-<a:theme xmlns:a="http://schemas.openxmlformats.org/drawingml/2006/main" xmlns:r="http://schemas.openxmlformats.org/officeDocument/2006/relationships" name="Simple Light">
-  <a:themeElements>
-    <a:clrScheme name="Simple Light">
-      <a:dk1>
-        <a:srgbClr val="000000"/>
-      </a:dk1>
-      <a:lt1>
-        <a:srgbClr val="FFFFFF"/>
-      </a:lt1>
-      <a:dk2>
-        <a:srgbClr val="595959"/>
-      </a:dk2>
-      <a:lt2>
-        <a:srgbClr val="EEEEEE"/>
-      </a:lt2>
-      <a:accent1>
-        <a:srgbClr val="4285F4"/>
-      </a:accent1>
-      <a:accent2>
-        <a:srgbClr val="212121"/>
-      </a:accent2>
-      <a:accent3>
-        <a:srgbClr val="78909C"/>
-      </a:accent3>
-      <a:accent4>
-        <a:srgbClr val="FFAB40"/>
-      </a:accent4>
-      <a:accent5>
-        <a:srgbClr val="0097A7"/>
-      </a:accent5>
-      <a:accent6>
-        <a:srgbClr val="EEFF41"/>
-      </a:accent6>
-      <a:hlink>
-        <a:srgbClr val="0097A7"/>
-      </a:hlink>
-      <a:folHlink>
-        <a:srgbClr val="0097A7"/>
-      </a:folHlink>
-    </a:clrScheme>
-    <a:fontScheme name="Office">
-      <a:majorFont>
-        <a:latin typeface="Arial"/>
-        <a:ea typeface=""/>
-        <a:cs typeface=""/>
-        <a:font script="Jpan" typeface="ＭＳ Ｐゴシック"/>
-        <a:font script="Hang" typeface="맑은 고딕"/>
-        <a:font script="Hans" typeface="宋体"/>
-        <a:font script="Hant" typeface="新細明體"/>
-        <a:font script="Arab" typeface="Times New Roman"/>
-        <a:font script="Hebr" typeface="Times New Roman"/>
-        <a:font script="Thai" typeface="Angsana New"/>
-        <a:font script="Ethi" typeface="Nyala"/>
-        <a:font script="Beng" typeface="Vrinda"/>
-        <a:font script="Gujr" typeface="Shruti"/>
-        <a:font script="Khmr" typeface="MoolBoran"/>
-        <a:font script="Knda" typeface="Tunga"/>
-        <a:font script="Guru" typeface="Raavi"/>
-        <a:font script="Cans" typeface="Euphemia"/>
-        <a:font script="Cher" typeface="Plantagenet Cherokee"/>
-        <a:font script="Yiii" typeface="Microsoft Yi Baiti"/>
-        <a:font script="Tibt" typeface="Microsoft Himalaya"/>
-        <a:font script="Thaa" typeface="MV Boli"/>
-        <a:font script="Deva" typeface="Mangal"/>
-        <a:font script="Telu" typeface="Gautami"/>
-        <a:font script="Taml" typeface="Latha"/>
-        <a:font script="Syrc" typeface="Estrangelo Edessa"/>
-        <a:font script="Orya" typeface="Kalinga"/>
-        <a:font script="Mlym" typeface="Kartika"/>
-        <a:font script="Laoo" typeface="DokChampa"/>
-        <a:font script="Sinh" typeface="Iskoola Pota"/>
-        <a:font script="Mong" typeface="Mongolian Baiti"/>
-        <a:font script="Viet" typeface="Times New Roman"/>
-        <a:font script="Uigh" typeface="Microsoft Uighur"/>
-        <a:font script="Geor" typeface="Sylfaen"/>
-      </a:majorFont>
-      <a:minorFont>
-        <a:latin typeface="Arial"/>
-        <a:ea typeface=""/>
-        <a:cs typeface=""/>
-        <a:font script="Jpan" typeface="ＭＳ Ｐゴシック"/>
-        <a:font script="Hang" typeface="맑은 고딕"/>
-        <a:font script="Hans" typeface="宋体"/>
-        <a:font script="Hant" typeface="新細明體"/>
-        <a:font script="Arab" typeface="Arial"/>
-        <a:font script="Hebr" typeface="Arial"/>
-        <a:font script="Thai" typeface="Cordia New"/>
-        <a:font script="Ethi" typeface="Nyala"/>
-        <a:font script="Beng" typeface="Vrinda"/>
-        <a:font script="Gujr" typeface="Shruti"/>
-        <a:font script="Khmr" typeface="DaunPenh"/>
-        <a:font script="Knda" typeface="Tunga"/>
-        <a:font script="Guru" typeface="Raavi"/>
-        <a:font script="Cans" typeface="Euphemia"/>
-        <a:font script="Cher" typeface="Plantagenet Cherokee"/>
-        <a:font script="Yiii" typeface="Microsoft Yi Baiti"/>
-        <a:font script="Tibt" typeface="Microsoft Himalaya"/>
-        <a:font script="Thaa" typeface="MV Boli"/>
-        <a:font script="Deva" typeface="Mangal"/>
-        <a:font script="Telu" typeface="Gautami"/>
-        <a:font script="Taml" typeface="Latha"/>
-        <a:font script="Syrc" typeface="Estrangelo Edessa"/>
-        <a:font script="Orya" typeface="Kalinga"/>
-        <a:font script="Mlym" typeface="Kartika"/>
-        <a:font script="Laoo" typeface="DokChampa"/>
-        <a:font script="Sinh" typeface="Iskoola Pota"/>
-        <a:font script="Mong" typeface="Mongolian Baiti"/>
-        <a:font script="Viet" typeface="Arial"/>
-        <a:font script="Uigh" typeface="Microsoft Uighur"/>
-        <a:font script="Geor" typeface="Sylfaen"/>
-      </a:minorFont>
-    </a:fontScheme>
-    <a:fmtScheme name="Office">
-      <a:fillStyleLst>
-        <a:solidFill>
-          <a:schemeClr val="phClr"/>
-        </a:solidFill>
-        <a:gradFill rotWithShape="1">
-          <a:gsLst>
-            <a:gs pos="0">
-              <a:schemeClr val="phClr">
-                <a:tint val="50000"/>
-                <a:satMod val="300000"/>
-              </a:schemeClr>
-            </a:gs>
-            <a:gs pos="35000">
-              <a:schemeClr val="phClr">
-                <a:tint val="37000"/>
-                <a:satMod val="300000"/>
-              </a:schemeClr>
-            </a:gs>
-            <a:gs pos="100000">
-              <a:schemeClr val="phClr">
-                <a:tint val="15000"/>
-                <a:satMod val="350000"/>
-              </a:schemeClr>
-            </a:gs>
-          </a:gsLst>
-          <a:lin ang="16200000" scaled="1"/>
-        </a:gradFill>
-        <a:gradFill rotWithShape="1">
-          <a:gsLst>
-            <a:gs pos="0">
-              <a:schemeClr val="phClr">
-                <a:tint val="100000"/>
-                <a:shade val="100000"/>
-                <a:satMod val="130000"/>
-              </a:schemeClr>
-            </a:gs>
-            <a:gs pos="100000">
-              <a:schemeClr val="phClr">
-                <a:tint val="50000"/>
-                <a:shade val="100000"/>
-                <a:satMod val="350000"/>
-              </a:schemeClr>
-            </a:gs>
-          </a:gsLst>
-          <a:lin ang="16200000" scaled="0"/>
-        </a:gradFill>
-      </a:fillStyleLst>
-      <a:lnStyleLst>
-        <a:ln w="9525" cap="flat" cmpd="sng" algn="ctr">
-          <a:solidFill>
-            <a:schemeClr val="phClr">
-              <a:shade val="95000"/>
-              <a:satMod val="105000"/>
-            </a:schemeClr>
-          </a:solidFill>
-          <a:prstDash val="solid"/>
-        </a:ln>
-        <a:ln w="25400" cap="flat" cmpd="sng" algn="ctr">
-          <a:solidFill>
-            <a:schemeClr val="phClr"/>
-          </a:solidFill>
-          <a:prstDash val="solid"/>
-        </a:ln>
-        <a:ln w="38100" cap="flat" cmpd="sng" algn="ctr">
-          <a:solidFill>
-            <a:schemeClr val="phClr"/>
-          </a:solidFill>
-          <a:prstDash val="solid"/>
-        </a:ln>
-      </a:lnStyleLst>
-      <a:effectStyleLst>
-        <a:effectStyle>
-          <a:effectLst>
-            <a:outerShdw blurRad="40000" dist="20000" dir="5400000" rotWithShape="0">
-              <a:srgbClr val="000000">
-                <a:alpha val="38000"/>
-              </a:srgbClr>
-            </a:outerShdw>
-          </a:effectLst>
-        </a:effectStyle>
-        <a:effectStyle>
-          <a:effectLst>
-            <a:outerShdw blurRad="40000" dist="23000" dir="5400000" rotWithShape="0">
-              <a:srgbClr val="000000">
-                <a:alpha val="35000"/>
-              </a:srgbClr>
-            </a:outerShdw>
-          </a:effectLst>
-        </a:effectStyle>
-        <a:effectStyle>
-          <a:effectLst>
-            <a:outerShdw blurRad="40000" dist="23000" dir="5400000" rotWithShape="0">
-              <a:srgbClr val="000000">
-                <a:alpha val="35000"/>
-              </a:srgbClr>
-            </a:outerShdw>
-          </a:effectLst>
-          <a:scene3d>
-            <a:camera prst="orthographicFront">
-              <a:rot lat="0" lon="0" rev="0"/>
-            </a:camera>
-            <a:lightRig rig="threePt" dir="t">
-              <a:rot lat="0" lon="0" rev="1200000"/>
-            </a:lightRig>
-          </a:scene3d>
-          <a:sp3d>
-            <a:bevelT w="63500" h="25400"/>
-          </a:sp3d>
-        </a:effectStyle>
-      </a:effectStyleLst>
-      <a:bgFillStyleLst>
-        <a:solidFill>
-          <a:schemeClr val="phClr"/>
-        </a:solidFill>
-        <a:gradFill rotWithShape="1">
-          <a:gsLst>
-            <a:gs pos="0">
-              <a:schemeClr val="phClr">
-                <a:tint val="40000"/>
-                <a:satMod val="350000"/>
-              </a:schemeClr>
-            </a:gs>
-            <a:gs pos="40000">
-              <a:schemeClr val="phClr">
-                <a:tint val="45000"/>
-                <a:shade val="99000"/>
-                <a:satMod val="350000"/>
-              </a:schemeClr>
-            </a:gs>
-            <a:gs pos="100000">
-              <a:schemeClr val="phClr">
-                <a:shade val="20000"/>
-                <a:satMod val="255000"/>
-              </a:schemeClr>
-            </a:gs>
-          </a:gsLst>
-          <a:path path="circle">
-            <a:fillToRect l="50000" t="-80000" r="50000" b="180000"/>
-          </a:path>
-        </a:gradFill>
-        <a:gradFill rotWithShape="1">
-          <a:gsLst>
-            <a:gs pos="0">
-              <a:schemeClr val="phClr">
-                <a:tint val="80000"/>
-                <a:satMod val="300000"/>
-              </a:schemeClr>
-            </a:gs>
-            <a:gs pos="100000">
-              <a:schemeClr val="phClr">
-                <a:shade val="30000"/>
-                <a:satMod val="200000"/>
-              </a:schemeClr>
-            </a:gs>
-          </a:gsLst>
-          <a:path path="circle">
-            <a:fillToRect l="50000" t="50000" r="50000" b="50000"/>
-          </a:path>
-        </a:gradFill>
-      </a:bgFillStyleLst>
-    </a:fmtScheme>
-  </a:themeElements>
-</a:theme>
 </file>